--- a/cadrage.pptx
+++ b/cadrage.pptx
@@ -7,6 +7,7 @@
   <p:sldIdLst>
     <p:sldId id="257" r:id="rId2"/>
     <p:sldId id="256" r:id="rId3"/>
+    <p:sldId id="258" r:id="rId4"/>
   </p:sldIdLst>
   <p:sldSz cx="12192000" cy="6858000"/>
   <p:notesSz cx="6858000" cy="9144000"/>
@@ -105,6 +106,11 @@
       </a:defRPr>
     </a:lvl9pPr>
   </p:defaultTextStyle>
+  <p:extLst>
+    <p:ext uri="{EFAFB233-063F-42B5-8137-9DF3F51BA10A}">
+      <p15:sldGuideLst xmlns:p15="http://schemas.microsoft.com/office/powerpoint/2012/main"/>
+    </p:ext>
+  </p:extLst>
 </p:presentation>
 </file>
 
@@ -4864,6 +4870,2164 @@
 </p:sld>
 </file>
 
+<file path=ppt/slides/slide3.xml><?xml version="1.0" encoding="utf-8"?>
+<p:sld xmlns:a="http://schemas.openxmlformats.org/drawingml/2006/main" xmlns:r="http://schemas.openxmlformats.org/officeDocument/2006/relationships" xmlns:p="http://schemas.openxmlformats.org/presentationml/2006/main">
+  <p:cSld>
+    <p:spTree>
+      <p:nvGrpSpPr>
+        <p:cNvPr id="1" name=""/>
+        <p:cNvGrpSpPr/>
+        <p:nvPr/>
+      </p:nvGrpSpPr>
+      <p:grpSpPr>
+        <a:xfrm>
+          <a:off x="0" y="0"/>
+          <a:ext cx="0" cy="0"/>
+          <a:chOff x="0" y="0"/>
+          <a:chExt cx="0" cy="0"/>
+        </a:xfrm>
+      </p:grpSpPr>
+      <p:sp>
+        <p:nvSpPr>
+          <p:cNvPr id="4" name="Rectangle 3">
+            <a:extLst>
+              <a:ext uri="{FF2B5EF4-FFF2-40B4-BE49-F238E27FC236}">
+                <a16:creationId xmlns:a16="http://schemas.microsoft.com/office/drawing/2014/main" id="{653E896D-1B3A-4161-868F-160F2F255C5E}"/>
+              </a:ext>
+            </a:extLst>
+          </p:cNvPr>
+          <p:cNvSpPr/>
+          <p:nvPr/>
+        </p:nvSpPr>
+        <p:spPr>
+          <a:xfrm>
+            <a:off x="148914" y="132097"/>
+            <a:ext cx="11343171" cy="6336434"/>
+          </a:xfrm>
+          <a:prstGeom prst="rect">
+            <a:avLst/>
+          </a:prstGeom>
+          <a:effectLst>
+            <a:outerShdw blurRad="50800" dist="38100" dir="2700000" algn="tl" rotWithShape="0">
+              <a:prstClr val="black">
+                <a:alpha val="40000"/>
+              </a:prstClr>
+            </a:outerShdw>
+          </a:effectLst>
+        </p:spPr>
+        <p:style>
+          <a:lnRef idx="2">
+            <a:schemeClr val="accent5"/>
+          </a:lnRef>
+          <a:fillRef idx="1">
+            <a:schemeClr val="lt1"/>
+          </a:fillRef>
+          <a:effectRef idx="0">
+            <a:schemeClr val="accent5"/>
+          </a:effectRef>
+          <a:fontRef idx="minor">
+            <a:schemeClr val="dk1"/>
+          </a:fontRef>
+        </p:style>
+        <p:txBody>
+          <a:bodyPr rtlCol="0" anchor="t"/>
+          <a:lstStyle/>
+          <a:p>
+            <a:pPr algn="ctr"/>
+            <a:endParaRPr lang="fr-FR" b="1" dirty="0"/>
+          </a:p>
+        </p:txBody>
+      </p:sp>
+      <p:sp>
+        <p:nvSpPr>
+          <p:cNvPr id="5" name="Rectangle 4">
+            <a:extLst>
+              <a:ext uri="{FF2B5EF4-FFF2-40B4-BE49-F238E27FC236}">
+                <a16:creationId xmlns:a16="http://schemas.microsoft.com/office/drawing/2014/main" id="{C81DD62F-D6FE-4997-885F-9A9816EBF9E9}"/>
+              </a:ext>
+            </a:extLst>
+          </p:cNvPr>
+          <p:cNvSpPr/>
+          <p:nvPr/>
+        </p:nvSpPr>
+        <p:spPr>
+          <a:xfrm>
+            <a:off x="293312" y="872684"/>
+            <a:ext cx="2648617" cy="5234603"/>
+          </a:xfrm>
+          <a:prstGeom prst="rect">
+            <a:avLst/>
+          </a:prstGeom>
+          <a:effectLst>
+            <a:outerShdw blurRad="50800" dist="38100" dir="2700000" algn="tl" rotWithShape="0">
+              <a:prstClr val="black">
+                <a:alpha val="40000"/>
+              </a:prstClr>
+            </a:outerShdw>
+          </a:effectLst>
+        </p:spPr>
+        <p:style>
+          <a:lnRef idx="2">
+            <a:schemeClr val="accent5"/>
+          </a:lnRef>
+          <a:fillRef idx="1">
+            <a:schemeClr val="lt1"/>
+          </a:fillRef>
+          <a:effectRef idx="0">
+            <a:schemeClr val="accent5"/>
+          </a:effectRef>
+          <a:fontRef idx="minor">
+            <a:schemeClr val="dk1"/>
+          </a:fontRef>
+        </p:style>
+        <p:txBody>
+          <a:bodyPr rtlCol="0" anchor="t"/>
+          <a:lstStyle/>
+          <a:p>
+            <a:pPr marL="285750" indent="-285750">
+              <a:buFont typeface="Arial" panose="020B0604020202020204" pitchFamily="34" charset="0"/>
+              <a:buChar char="•"/>
+            </a:pPr>
+            <a:r>
+              <a:rPr lang="fr-FR" sz="1400" dirty="0">
+                <a:ln>
+                  <a:solidFill>
+                    <a:schemeClr val="accent1"/>
+                  </a:solidFill>
+                </a:ln>
+              </a:rPr>
+              <a:t>Actors</a:t>
+            </a:r>
+          </a:p>
+          <a:p>
+            <a:pPr marL="285750" indent="-285750">
+              <a:buFont typeface="Arial" panose="020B0604020202020204" pitchFamily="34" charset="0"/>
+              <a:buChar char="•"/>
+            </a:pPr>
+            <a:r>
+              <a:rPr lang="fr-FR" sz="1400" dirty="0"/>
+              <a:t>IHM</a:t>
+            </a:r>
+          </a:p>
+          <a:p>
+            <a:pPr marL="742950" lvl="1" indent="-285750">
+              <a:buFont typeface="Arial" panose="020B0604020202020204" pitchFamily="34" charset="0"/>
+              <a:buChar char="•"/>
+            </a:pPr>
+            <a:r>
+              <a:rPr lang="fr-FR" sz="1400" dirty="0"/>
+              <a:t>Components</a:t>
+            </a:r>
+          </a:p>
+          <a:p>
+            <a:pPr marL="742950" lvl="1" indent="-285750">
+              <a:buFont typeface="Arial" panose="020B0604020202020204" pitchFamily="34" charset="0"/>
+              <a:buChar char="•"/>
+            </a:pPr>
+            <a:r>
+              <a:rPr lang="fr-FR" sz="1400" dirty="0"/>
+              <a:t>Screen 1</a:t>
+            </a:r>
+          </a:p>
+          <a:p>
+            <a:pPr marL="285750" indent="-285750">
+              <a:buFont typeface="Arial" panose="020B0604020202020204" pitchFamily="34" charset="0"/>
+              <a:buChar char="•"/>
+            </a:pPr>
+            <a:r>
+              <a:rPr lang="fr-FR" sz="1400" dirty="0"/>
+              <a:t>Workflows</a:t>
+            </a:r>
+          </a:p>
+        </p:txBody>
+      </p:sp>
+      <p:sp>
+        <p:nvSpPr>
+          <p:cNvPr id="14" name="Rectangle 13">
+            <a:extLst>
+              <a:ext uri="{FF2B5EF4-FFF2-40B4-BE49-F238E27FC236}">
+                <a16:creationId xmlns:a16="http://schemas.microsoft.com/office/drawing/2014/main" id="{460B5682-880F-43FD-9743-6EA85A9EF65F}"/>
+              </a:ext>
+            </a:extLst>
+          </p:cNvPr>
+          <p:cNvSpPr/>
+          <p:nvPr/>
+        </p:nvSpPr>
+        <p:spPr>
+          <a:xfrm>
+            <a:off x="3070570" y="850143"/>
+            <a:ext cx="8184451" cy="5257142"/>
+          </a:xfrm>
+          <a:prstGeom prst="rect">
+            <a:avLst/>
+          </a:prstGeom>
+          <a:effectLst>
+            <a:outerShdw blurRad="50800" dist="38100" dir="2700000" algn="tl" rotWithShape="0">
+              <a:prstClr val="black">
+                <a:alpha val="40000"/>
+              </a:prstClr>
+            </a:outerShdw>
+          </a:effectLst>
+        </p:spPr>
+        <p:style>
+          <a:lnRef idx="2">
+            <a:schemeClr val="accent5"/>
+          </a:lnRef>
+          <a:fillRef idx="1">
+            <a:schemeClr val="lt1"/>
+          </a:fillRef>
+          <a:effectRef idx="0">
+            <a:schemeClr val="accent5"/>
+          </a:effectRef>
+          <a:fontRef idx="minor">
+            <a:schemeClr val="dk1"/>
+          </a:fontRef>
+        </p:style>
+        <p:txBody>
+          <a:bodyPr rtlCol="0" anchor="t"/>
+          <a:lstStyle/>
+          <a:p>
+            <a:pPr algn="ctr"/>
+            <a:r>
+              <a:rPr lang="fr-FR" sz="1400" b="1" dirty="0"/>
+              <a:t>CRM</a:t>
+            </a:r>
+            <a:endParaRPr lang="fr-FR" sz="1400" dirty="0"/>
+          </a:p>
+          <a:p>
+            <a:endParaRPr lang="fr-FR" sz="1400" dirty="0"/>
+          </a:p>
+        </p:txBody>
+      </p:sp>
+      <p:sp>
+        <p:nvSpPr>
+          <p:cNvPr id="13" name="Rectangle 12">
+            <a:extLst>
+              <a:ext uri="{FF2B5EF4-FFF2-40B4-BE49-F238E27FC236}">
+                <a16:creationId xmlns:a16="http://schemas.microsoft.com/office/drawing/2014/main" id="{AA9D26BD-B566-4C7D-81D1-91CDEBDE899D}"/>
+              </a:ext>
+            </a:extLst>
+          </p:cNvPr>
+          <p:cNvSpPr/>
+          <p:nvPr/>
+        </p:nvSpPr>
+        <p:spPr>
+          <a:xfrm>
+            <a:off x="293312" y="285701"/>
+            <a:ext cx="10961709" cy="410838"/>
+          </a:xfrm>
+          <a:prstGeom prst="rect">
+            <a:avLst/>
+          </a:prstGeom>
+          <a:effectLst>
+            <a:outerShdw blurRad="50800" dist="38100" dir="2700000" algn="tl" rotWithShape="0">
+              <a:prstClr val="black">
+                <a:alpha val="40000"/>
+              </a:prstClr>
+            </a:outerShdw>
+          </a:effectLst>
+        </p:spPr>
+        <p:style>
+          <a:lnRef idx="2">
+            <a:schemeClr val="accent5"/>
+          </a:lnRef>
+          <a:fillRef idx="1">
+            <a:schemeClr val="lt1"/>
+          </a:fillRef>
+          <a:effectRef idx="0">
+            <a:schemeClr val="accent5"/>
+          </a:effectRef>
+          <a:fontRef idx="minor">
+            <a:schemeClr val="dk1"/>
+          </a:fontRef>
+        </p:style>
+        <p:txBody>
+          <a:bodyPr rtlCol="0" anchor="t"/>
+          <a:lstStyle/>
+          <a:p>
+            <a:pPr algn="r"/>
+            <a:r>
+              <a:rPr lang="fr-FR" sz="1400" b="1" dirty="0"/>
+              <a:t>CRM / Actors</a:t>
+            </a:r>
+            <a:endParaRPr lang="fr-FR" sz="1400" dirty="0"/>
+          </a:p>
+          <a:p>
+            <a:endParaRPr lang="fr-FR" sz="1400" dirty="0"/>
+          </a:p>
+        </p:txBody>
+      </p:sp>
+      <p:sp>
+        <p:nvSpPr>
+          <p:cNvPr id="19" name="Rectangle 18">
+            <a:extLst>
+              <a:ext uri="{FF2B5EF4-FFF2-40B4-BE49-F238E27FC236}">
+                <a16:creationId xmlns:a16="http://schemas.microsoft.com/office/drawing/2014/main" id="{CE211986-DFF2-49A9-9F7F-C22D4AB08D23}"/>
+              </a:ext>
+            </a:extLst>
+          </p:cNvPr>
+          <p:cNvSpPr/>
+          <p:nvPr/>
+        </p:nvSpPr>
+        <p:spPr>
+          <a:xfrm>
+            <a:off x="298955" y="280482"/>
+            <a:ext cx="1857217" cy="411480"/>
+          </a:xfrm>
+          <a:prstGeom prst="rect">
+            <a:avLst/>
+          </a:prstGeom>
+          <a:effectLst>
+            <a:outerShdw blurRad="50800" dist="38100" dir="2700000" algn="tl" rotWithShape="0">
+              <a:prstClr val="black">
+                <a:alpha val="40000"/>
+              </a:prstClr>
+            </a:outerShdw>
+          </a:effectLst>
+        </p:spPr>
+        <p:style>
+          <a:lnRef idx="2">
+            <a:schemeClr val="accent5"/>
+          </a:lnRef>
+          <a:fillRef idx="1">
+            <a:schemeClr val="lt1"/>
+          </a:fillRef>
+          <a:effectRef idx="0">
+            <a:schemeClr val="accent5"/>
+          </a:effectRef>
+          <a:fontRef idx="minor">
+            <a:schemeClr val="dk1"/>
+          </a:fontRef>
+        </p:style>
+        <p:txBody>
+          <a:bodyPr rtlCol="0" anchor="t"/>
+          <a:lstStyle/>
+          <a:p>
+            <a:pPr algn="ctr"/>
+            <a:r>
+              <a:rPr lang="fr-FR" sz="1400" b="1" dirty="0"/>
+              <a:t>Applications</a:t>
+            </a:r>
+            <a:endParaRPr lang="fr-FR" sz="1400" dirty="0"/>
+          </a:p>
+          <a:p>
+            <a:endParaRPr lang="fr-FR" sz="1400" dirty="0"/>
+          </a:p>
+        </p:txBody>
+      </p:sp>
+      <p:sp>
+        <p:nvSpPr>
+          <p:cNvPr id="26" name="Rectangle 25">
+            <a:extLst>
+              <a:ext uri="{FF2B5EF4-FFF2-40B4-BE49-F238E27FC236}">
+                <a16:creationId xmlns:a16="http://schemas.microsoft.com/office/drawing/2014/main" id="{FED2811C-DED9-456A-9C42-F914766B71E3}"/>
+              </a:ext>
+            </a:extLst>
+          </p:cNvPr>
+          <p:cNvSpPr/>
+          <p:nvPr/>
+        </p:nvSpPr>
+        <p:spPr>
+          <a:xfrm>
+            <a:off x="2151705" y="280482"/>
+            <a:ext cx="1857217" cy="411480"/>
+          </a:xfrm>
+          <a:prstGeom prst="rect">
+            <a:avLst/>
+          </a:prstGeom>
+          <a:effectLst>
+            <a:outerShdw blurRad="50800" dist="38100" dir="2700000" algn="tl" rotWithShape="0">
+              <a:prstClr val="black">
+                <a:alpha val="40000"/>
+              </a:prstClr>
+            </a:outerShdw>
+          </a:effectLst>
+        </p:spPr>
+        <p:style>
+          <a:lnRef idx="2">
+            <a:schemeClr val="accent5"/>
+          </a:lnRef>
+          <a:fillRef idx="1">
+            <a:schemeClr val="lt1"/>
+          </a:fillRef>
+          <a:effectRef idx="0">
+            <a:schemeClr val="accent5"/>
+          </a:effectRef>
+          <a:fontRef idx="minor">
+            <a:schemeClr val="dk1"/>
+          </a:fontRef>
+        </p:style>
+        <p:txBody>
+          <a:bodyPr rtlCol="0" anchor="t"/>
+          <a:lstStyle/>
+          <a:p>
+            <a:pPr algn="ctr"/>
+            <a:r>
+              <a:rPr lang="fr-FR" sz="1400" b="1" dirty="0"/>
+              <a:t>Menu 2</a:t>
+            </a:r>
+            <a:endParaRPr lang="fr-FR" sz="1400" dirty="0"/>
+          </a:p>
+        </p:txBody>
+      </p:sp>
+      <p:sp>
+        <p:nvSpPr>
+          <p:cNvPr id="27" name="Rectangle 26">
+            <a:extLst>
+              <a:ext uri="{FF2B5EF4-FFF2-40B4-BE49-F238E27FC236}">
+                <a16:creationId xmlns:a16="http://schemas.microsoft.com/office/drawing/2014/main" id="{9E05D057-0AC7-4852-82D6-A71569E96E15}"/>
+              </a:ext>
+            </a:extLst>
+          </p:cNvPr>
+          <p:cNvSpPr/>
+          <p:nvPr/>
+        </p:nvSpPr>
+        <p:spPr>
+          <a:xfrm>
+            <a:off x="3075039" y="861395"/>
+            <a:ext cx="8179982" cy="939713"/>
+          </a:xfrm>
+          <a:prstGeom prst="rect">
+            <a:avLst/>
+          </a:prstGeom>
+          <a:effectLst>
+            <a:outerShdw blurRad="50800" dist="38100" dir="2700000" algn="tl" rotWithShape="0">
+              <a:prstClr val="black">
+                <a:alpha val="40000"/>
+              </a:prstClr>
+            </a:outerShdw>
+          </a:effectLst>
+        </p:spPr>
+        <p:style>
+          <a:lnRef idx="2">
+            <a:schemeClr val="accent5"/>
+          </a:lnRef>
+          <a:fillRef idx="1">
+            <a:schemeClr val="lt1"/>
+          </a:fillRef>
+          <a:effectRef idx="0">
+            <a:schemeClr val="accent5"/>
+          </a:effectRef>
+          <a:fontRef idx="minor">
+            <a:schemeClr val="dk1"/>
+          </a:fontRef>
+        </p:style>
+        <p:txBody>
+          <a:bodyPr rtlCol="0" anchor="t"/>
+          <a:lstStyle/>
+          <a:p>
+            <a:pPr algn="ctr"/>
+            <a:r>
+              <a:rPr lang="fr-FR" sz="1400" b="1" dirty="0"/>
+              <a:t>                                                                           </a:t>
+            </a:r>
+            <a:r>
+              <a:rPr lang="fr-FR" sz="1400" b="1" dirty="0" err="1"/>
+              <a:t>Ribbon</a:t>
+            </a:r>
+            <a:endParaRPr lang="fr-FR" sz="1400" dirty="0"/>
+          </a:p>
+          <a:p>
+            <a:endParaRPr lang="fr-FR" sz="1400" dirty="0"/>
+          </a:p>
+        </p:txBody>
+      </p:sp>
+      <p:sp>
+        <p:nvSpPr>
+          <p:cNvPr id="28" name="Rectangle 27">
+            <a:extLst>
+              <a:ext uri="{FF2B5EF4-FFF2-40B4-BE49-F238E27FC236}">
+                <a16:creationId xmlns:a16="http://schemas.microsoft.com/office/drawing/2014/main" id="{99727CC1-1266-4D75-BBDB-CC63C3531852}"/>
+              </a:ext>
+            </a:extLst>
+          </p:cNvPr>
+          <p:cNvSpPr/>
+          <p:nvPr/>
+        </p:nvSpPr>
+        <p:spPr>
+          <a:xfrm>
+            <a:off x="3076216" y="868107"/>
+            <a:ext cx="1857217" cy="365050"/>
+          </a:xfrm>
+          <a:prstGeom prst="rect">
+            <a:avLst/>
+          </a:prstGeom>
+          <a:solidFill>
+            <a:schemeClr val="accent5">
+              <a:lumMod val="60000"/>
+              <a:lumOff val="40000"/>
+            </a:schemeClr>
+          </a:solidFill>
+          <a:effectLst>
+            <a:outerShdw blurRad="50800" dist="38100" dir="2700000" algn="tl" rotWithShape="0">
+              <a:prstClr val="black">
+                <a:alpha val="40000"/>
+              </a:prstClr>
+            </a:outerShdw>
+          </a:effectLst>
+        </p:spPr>
+        <p:style>
+          <a:lnRef idx="2">
+            <a:schemeClr val="accent5"/>
+          </a:lnRef>
+          <a:fillRef idx="1">
+            <a:schemeClr val="lt1"/>
+          </a:fillRef>
+          <a:effectRef idx="0">
+            <a:schemeClr val="accent5"/>
+          </a:effectRef>
+          <a:fontRef idx="minor">
+            <a:schemeClr val="dk1"/>
+          </a:fontRef>
+        </p:style>
+        <p:txBody>
+          <a:bodyPr rtlCol="0" anchor="t"/>
+          <a:lstStyle/>
+          <a:p>
+            <a:pPr algn="ctr"/>
+            <a:r>
+              <a:rPr lang="fr-FR" sz="1400" b="1" dirty="0"/>
+              <a:t>Panel 1</a:t>
+            </a:r>
+            <a:endParaRPr lang="fr-FR" sz="1400" dirty="0"/>
+          </a:p>
+          <a:p>
+            <a:endParaRPr lang="fr-FR" sz="1400" dirty="0"/>
+          </a:p>
+        </p:txBody>
+      </p:sp>
+      <p:sp>
+        <p:nvSpPr>
+          <p:cNvPr id="29" name="Rectangle 28">
+            <a:extLst>
+              <a:ext uri="{FF2B5EF4-FFF2-40B4-BE49-F238E27FC236}">
+                <a16:creationId xmlns:a16="http://schemas.microsoft.com/office/drawing/2014/main" id="{E1727649-AB64-48D3-8E0D-B3C40F237E10}"/>
+              </a:ext>
+            </a:extLst>
+          </p:cNvPr>
+          <p:cNvSpPr/>
+          <p:nvPr/>
+        </p:nvSpPr>
+        <p:spPr>
+          <a:xfrm>
+            <a:off x="4933433" y="863530"/>
+            <a:ext cx="1857217" cy="365050"/>
+          </a:xfrm>
+          <a:prstGeom prst="rect">
+            <a:avLst/>
+          </a:prstGeom>
+          <a:effectLst>
+            <a:outerShdw blurRad="50800" dist="38100" dir="2700000" algn="tl" rotWithShape="0">
+              <a:prstClr val="black">
+                <a:alpha val="40000"/>
+              </a:prstClr>
+            </a:outerShdw>
+          </a:effectLst>
+        </p:spPr>
+        <p:style>
+          <a:lnRef idx="2">
+            <a:schemeClr val="accent5"/>
+          </a:lnRef>
+          <a:fillRef idx="1">
+            <a:schemeClr val="lt1"/>
+          </a:fillRef>
+          <a:effectRef idx="0">
+            <a:schemeClr val="accent5"/>
+          </a:effectRef>
+          <a:fontRef idx="minor">
+            <a:schemeClr val="dk1"/>
+          </a:fontRef>
+        </p:style>
+        <p:txBody>
+          <a:bodyPr rtlCol="0" anchor="t"/>
+          <a:lstStyle/>
+          <a:p>
+            <a:pPr algn="ctr"/>
+            <a:r>
+              <a:rPr lang="fr-FR" sz="1400" b="1" dirty="0"/>
+              <a:t>Panel 2</a:t>
+            </a:r>
+            <a:endParaRPr lang="fr-FR" sz="1400" dirty="0"/>
+          </a:p>
+          <a:p>
+            <a:endParaRPr lang="fr-FR" sz="1400" dirty="0"/>
+          </a:p>
+        </p:txBody>
+      </p:sp>
+      <p:sp>
+        <p:nvSpPr>
+          <p:cNvPr id="30" name="Rectangle 29">
+            <a:extLst>
+              <a:ext uri="{FF2B5EF4-FFF2-40B4-BE49-F238E27FC236}">
+                <a16:creationId xmlns:a16="http://schemas.microsoft.com/office/drawing/2014/main" id="{26835A03-6BAE-4A12-984C-6851E3FBC2D4}"/>
+              </a:ext>
+            </a:extLst>
+          </p:cNvPr>
+          <p:cNvSpPr/>
+          <p:nvPr/>
+        </p:nvSpPr>
+        <p:spPr>
+          <a:xfrm>
+            <a:off x="3070571" y="1237735"/>
+            <a:ext cx="8184759" cy="597204"/>
+          </a:xfrm>
+          <a:prstGeom prst="rect">
+            <a:avLst/>
+          </a:prstGeom>
+          <a:effectLst>
+            <a:outerShdw blurRad="50800" dist="38100" dir="2700000" algn="tl" rotWithShape="0">
+              <a:prstClr val="black">
+                <a:alpha val="40000"/>
+              </a:prstClr>
+            </a:outerShdw>
+          </a:effectLst>
+        </p:spPr>
+        <p:style>
+          <a:lnRef idx="2">
+            <a:schemeClr val="accent5"/>
+          </a:lnRef>
+          <a:fillRef idx="1">
+            <a:schemeClr val="lt1"/>
+          </a:fillRef>
+          <a:effectRef idx="0">
+            <a:schemeClr val="accent5"/>
+          </a:effectRef>
+          <a:fontRef idx="minor">
+            <a:schemeClr val="dk1"/>
+          </a:fontRef>
+        </p:style>
+        <p:txBody>
+          <a:bodyPr rtlCol="0" anchor="t"/>
+          <a:lstStyle/>
+          <a:p>
+            <a:pPr algn="ctr"/>
+            <a:r>
+              <a:rPr lang="fr-FR" sz="1400" b="1" dirty="0"/>
+              <a:t>Panel 1</a:t>
+            </a:r>
+            <a:endParaRPr lang="fr-FR" sz="1400" dirty="0"/>
+          </a:p>
+          <a:p>
+            <a:endParaRPr lang="fr-FR" sz="1400" dirty="0"/>
+          </a:p>
+        </p:txBody>
+      </p:sp>
+      <p:sp>
+        <p:nvSpPr>
+          <p:cNvPr id="31" name="Rectangle 30">
+            <a:extLst>
+              <a:ext uri="{FF2B5EF4-FFF2-40B4-BE49-F238E27FC236}">
+                <a16:creationId xmlns:a16="http://schemas.microsoft.com/office/drawing/2014/main" id="{AA62BA55-8B70-48C8-AB1C-8BA4D57B3848}"/>
+              </a:ext>
+            </a:extLst>
+          </p:cNvPr>
+          <p:cNvSpPr/>
+          <p:nvPr/>
+        </p:nvSpPr>
+        <p:spPr>
+          <a:xfrm>
+            <a:off x="3080682" y="1233157"/>
+            <a:ext cx="1276829" cy="601781"/>
+          </a:xfrm>
+          <a:prstGeom prst="rect">
+            <a:avLst/>
+          </a:prstGeom>
+          <a:effectLst>
+            <a:outerShdw blurRad="50800" dist="38100" dir="2700000" algn="tl" rotWithShape="0">
+              <a:prstClr val="black">
+                <a:alpha val="40000"/>
+              </a:prstClr>
+            </a:outerShdw>
+          </a:effectLst>
+        </p:spPr>
+        <p:style>
+          <a:lnRef idx="2">
+            <a:schemeClr val="accent5"/>
+          </a:lnRef>
+          <a:fillRef idx="1">
+            <a:schemeClr val="lt1"/>
+          </a:fillRef>
+          <a:effectRef idx="0">
+            <a:schemeClr val="accent5"/>
+          </a:effectRef>
+          <a:fontRef idx="minor">
+            <a:schemeClr val="dk1"/>
+          </a:fontRef>
+        </p:style>
+        <p:txBody>
+          <a:bodyPr rtlCol="0" anchor="ctr"/>
+          <a:lstStyle/>
+          <a:p>
+            <a:pPr algn="ctr"/>
+            <a:r>
+              <a:rPr lang="fr-FR" sz="1400" b="1" dirty="0"/>
+              <a:t>Tool Bloc 1</a:t>
+            </a:r>
+            <a:endParaRPr lang="fr-FR" sz="1400" dirty="0"/>
+          </a:p>
+          <a:p>
+            <a:endParaRPr lang="fr-FR" sz="1400" dirty="0"/>
+          </a:p>
+        </p:txBody>
+      </p:sp>
+      <p:sp>
+        <p:nvSpPr>
+          <p:cNvPr id="32" name="Rectangle 31">
+            <a:extLst>
+              <a:ext uri="{FF2B5EF4-FFF2-40B4-BE49-F238E27FC236}">
+                <a16:creationId xmlns:a16="http://schemas.microsoft.com/office/drawing/2014/main" id="{FEC8FD8D-FB86-421B-B45E-55AD2A6B42C2}"/>
+              </a:ext>
+            </a:extLst>
+          </p:cNvPr>
+          <p:cNvSpPr/>
+          <p:nvPr/>
+        </p:nvSpPr>
+        <p:spPr>
+          <a:xfrm>
+            <a:off x="4357511" y="1233157"/>
+            <a:ext cx="2433139" cy="601781"/>
+          </a:xfrm>
+          <a:prstGeom prst="rect">
+            <a:avLst/>
+          </a:prstGeom>
+          <a:effectLst>
+            <a:outerShdw blurRad="50800" dist="38100" dir="2700000" algn="tl" rotWithShape="0">
+              <a:prstClr val="black">
+                <a:alpha val="40000"/>
+              </a:prstClr>
+            </a:outerShdw>
+          </a:effectLst>
+        </p:spPr>
+        <p:style>
+          <a:lnRef idx="2">
+            <a:schemeClr val="accent5"/>
+          </a:lnRef>
+          <a:fillRef idx="1">
+            <a:schemeClr val="lt1"/>
+          </a:fillRef>
+          <a:effectRef idx="0">
+            <a:schemeClr val="accent5"/>
+          </a:effectRef>
+          <a:fontRef idx="minor">
+            <a:schemeClr val="dk1"/>
+          </a:fontRef>
+        </p:style>
+        <p:txBody>
+          <a:bodyPr rtlCol="0" anchor="ctr"/>
+          <a:lstStyle/>
+          <a:p>
+            <a:pPr algn="ctr"/>
+            <a:endParaRPr lang="fr-FR" sz="1400" dirty="0"/>
+          </a:p>
+          <a:p>
+            <a:endParaRPr lang="fr-FR" sz="1400" dirty="0"/>
+          </a:p>
+        </p:txBody>
+      </p:sp>
+      <p:graphicFrame>
+        <p:nvGraphicFramePr>
+          <p:cNvPr id="3" name="Table 2">
+            <a:extLst>
+              <a:ext uri="{FF2B5EF4-FFF2-40B4-BE49-F238E27FC236}">
+                <a16:creationId xmlns:a16="http://schemas.microsoft.com/office/drawing/2014/main" id="{33DF6526-3074-4123-9D76-6CFFF4CBBBC2}"/>
+              </a:ext>
+            </a:extLst>
+          </p:cNvPr>
+          <p:cNvGraphicFramePr>
+            <a:graphicFrameLocks noGrp="1"/>
+          </p:cNvGraphicFramePr>
+          <p:nvPr>
+            <p:extLst>
+              <p:ext uri="{D42A27DB-BD31-4B8C-83A1-F6EECF244321}">
+                <p14:modId xmlns:p14="http://schemas.microsoft.com/office/powerpoint/2010/main" val="70890314"/>
+              </p:ext>
+            </p:extLst>
+          </p:nvPr>
+        </p:nvGraphicFramePr>
+        <p:xfrm>
+          <a:off x="3088943" y="1998904"/>
+          <a:ext cx="5140662" cy="3291840"/>
+        </p:xfrm>
+        <a:graphic>
+          <a:graphicData uri="http://schemas.openxmlformats.org/drawingml/2006/table">
+            <a:tbl>
+              <a:tblPr firstRow="1" bandRow="1">
+                <a:tableStyleId>{5C22544A-7EE6-4342-B048-85BDC9FD1C3A}</a:tableStyleId>
+              </a:tblPr>
+              <a:tblGrid>
+                <a:gridCol w="1155679">
+                  <a:extLst>
+                    <a:ext uri="{9D8B030D-6E8A-4147-A177-3AD203B41FA5}">
+                      <a16:colId xmlns:a16="http://schemas.microsoft.com/office/drawing/2014/main" val="3636126959"/>
+                    </a:ext>
+                  </a:extLst>
+                </a:gridCol>
+                <a:gridCol w="891822">
+                  <a:extLst>
+                    <a:ext uri="{9D8B030D-6E8A-4147-A177-3AD203B41FA5}">
+                      <a16:colId xmlns:a16="http://schemas.microsoft.com/office/drawing/2014/main" val="394618892"/>
+                    </a:ext>
+                  </a:extLst>
+                </a:gridCol>
+                <a:gridCol w="522830">
+                  <a:extLst>
+                    <a:ext uri="{9D8B030D-6E8A-4147-A177-3AD203B41FA5}">
+                      <a16:colId xmlns:a16="http://schemas.microsoft.com/office/drawing/2014/main" val="3457998907"/>
+                    </a:ext>
+                  </a:extLst>
+                </a:gridCol>
+                <a:gridCol w="856777">
+                  <a:extLst>
+                    <a:ext uri="{9D8B030D-6E8A-4147-A177-3AD203B41FA5}">
+                      <a16:colId xmlns:a16="http://schemas.microsoft.com/office/drawing/2014/main" val="684392706"/>
+                    </a:ext>
+                  </a:extLst>
+                </a:gridCol>
+                <a:gridCol w="856777">
+                  <a:extLst>
+                    <a:ext uri="{9D8B030D-6E8A-4147-A177-3AD203B41FA5}">
+                      <a16:colId xmlns:a16="http://schemas.microsoft.com/office/drawing/2014/main" val="3143680910"/>
+                    </a:ext>
+                  </a:extLst>
+                </a:gridCol>
+                <a:gridCol w="856777">
+                  <a:extLst>
+                    <a:ext uri="{9D8B030D-6E8A-4147-A177-3AD203B41FA5}">
+                      <a16:colId xmlns:a16="http://schemas.microsoft.com/office/drawing/2014/main" val="1730560588"/>
+                    </a:ext>
+                  </a:extLst>
+                </a:gridCol>
+              </a:tblGrid>
+              <a:tr h="201860">
+                <a:tc>
+                  <a:txBody>
+                    <a:bodyPr/>
+                    <a:lstStyle/>
+                    <a:p>
+                      <a:r>
+                        <a:rPr lang="fr-FR" dirty="0"/>
+                        <a:t>Name</a:t>
+                      </a:r>
+                    </a:p>
+                  </a:txBody>
+                  <a:tcPr/>
+                </a:tc>
+                <a:tc>
+                  <a:txBody>
+                    <a:bodyPr/>
+                    <a:lstStyle/>
+                    <a:p>
+                      <a:r>
+                        <a:rPr lang="fr-FR" dirty="0" err="1"/>
+                        <a:t>Status</a:t>
+                      </a:r>
+                      <a:endParaRPr lang="fr-FR" dirty="0"/>
+                    </a:p>
+                  </a:txBody>
+                  <a:tcPr/>
+                </a:tc>
+                <a:tc>
+                  <a:txBody>
+                    <a:bodyPr/>
+                    <a:lstStyle/>
+                    <a:p>
+                      <a:endParaRPr lang="fr-FR"/>
+                    </a:p>
+                  </a:txBody>
+                  <a:tcPr/>
+                </a:tc>
+                <a:tc>
+                  <a:txBody>
+                    <a:bodyPr/>
+                    <a:lstStyle/>
+                    <a:p>
+                      <a:endParaRPr lang="fr-FR"/>
+                    </a:p>
+                  </a:txBody>
+                  <a:tcPr/>
+                </a:tc>
+                <a:tc>
+                  <a:txBody>
+                    <a:bodyPr/>
+                    <a:lstStyle/>
+                    <a:p>
+                      <a:endParaRPr lang="fr-FR"/>
+                    </a:p>
+                  </a:txBody>
+                  <a:tcPr/>
+                </a:tc>
+                <a:tc>
+                  <a:txBody>
+                    <a:bodyPr/>
+                    <a:lstStyle/>
+                    <a:p>
+                      <a:endParaRPr lang="fr-FR" dirty="0"/>
+                    </a:p>
+                  </a:txBody>
+                  <a:tcPr/>
+                </a:tc>
+                <a:extLst>
+                  <a:ext uri="{0D108BD9-81ED-4DB2-BD59-A6C34878D82A}">
+                    <a16:rowId xmlns:a16="http://schemas.microsoft.com/office/drawing/2014/main" val="3580048067"/>
+                  </a:ext>
+                </a:extLst>
+              </a:tr>
+              <a:tr h="201860">
+                <a:tc>
+                  <a:txBody>
+                    <a:bodyPr/>
+                    <a:lstStyle/>
+                    <a:p>
+                      <a:r>
+                        <a:rPr lang="fr-FR" dirty="0" err="1"/>
+                        <a:t>My</a:t>
+                      </a:r>
+                      <a:r>
+                        <a:rPr lang="fr-FR" dirty="0"/>
+                        <a:t> </a:t>
+                      </a:r>
+                      <a:r>
+                        <a:rPr lang="fr-FR" dirty="0" err="1"/>
+                        <a:t>name</a:t>
+                      </a:r>
+                      <a:endParaRPr lang="fr-FR" dirty="0"/>
+                    </a:p>
+                  </a:txBody>
+                  <a:tcPr/>
+                </a:tc>
+                <a:tc>
+                  <a:txBody>
+                    <a:bodyPr/>
+                    <a:lstStyle/>
+                    <a:p>
+                      <a:endParaRPr lang="fr-FR" dirty="0"/>
+                    </a:p>
+                  </a:txBody>
+                  <a:tcPr/>
+                </a:tc>
+                <a:tc>
+                  <a:txBody>
+                    <a:bodyPr/>
+                    <a:lstStyle/>
+                    <a:p>
+                      <a:endParaRPr lang="fr-FR" dirty="0"/>
+                    </a:p>
+                  </a:txBody>
+                  <a:tcPr/>
+                </a:tc>
+                <a:tc>
+                  <a:txBody>
+                    <a:bodyPr/>
+                    <a:lstStyle/>
+                    <a:p>
+                      <a:endParaRPr lang="fr-FR" dirty="0"/>
+                    </a:p>
+                  </a:txBody>
+                  <a:tcPr/>
+                </a:tc>
+                <a:tc>
+                  <a:txBody>
+                    <a:bodyPr/>
+                    <a:lstStyle/>
+                    <a:p>
+                      <a:endParaRPr lang="fr-FR" dirty="0"/>
+                    </a:p>
+                  </a:txBody>
+                  <a:tcPr/>
+                </a:tc>
+                <a:tc>
+                  <a:txBody>
+                    <a:bodyPr/>
+                    <a:lstStyle/>
+                    <a:p>
+                      <a:endParaRPr lang="fr-FR" dirty="0"/>
+                    </a:p>
+                  </a:txBody>
+                  <a:tcPr/>
+                </a:tc>
+                <a:extLst>
+                  <a:ext uri="{0D108BD9-81ED-4DB2-BD59-A6C34878D82A}">
+                    <a16:rowId xmlns:a16="http://schemas.microsoft.com/office/drawing/2014/main" val="1658744431"/>
+                  </a:ext>
+                </a:extLst>
+              </a:tr>
+              <a:tr h="201860">
+                <a:tc>
+                  <a:txBody>
+                    <a:bodyPr/>
+                    <a:lstStyle/>
+                    <a:p>
+                      <a:endParaRPr lang="fr-FR" dirty="0"/>
+                    </a:p>
+                  </a:txBody>
+                  <a:tcPr/>
+                </a:tc>
+                <a:tc>
+                  <a:txBody>
+                    <a:bodyPr/>
+                    <a:lstStyle/>
+                    <a:p>
+                      <a:endParaRPr lang="fr-FR" dirty="0"/>
+                    </a:p>
+                  </a:txBody>
+                  <a:tcPr/>
+                </a:tc>
+                <a:tc>
+                  <a:txBody>
+                    <a:bodyPr/>
+                    <a:lstStyle/>
+                    <a:p>
+                      <a:endParaRPr lang="fr-FR" dirty="0"/>
+                    </a:p>
+                  </a:txBody>
+                  <a:tcPr/>
+                </a:tc>
+                <a:tc>
+                  <a:txBody>
+                    <a:bodyPr/>
+                    <a:lstStyle/>
+                    <a:p>
+                      <a:endParaRPr lang="fr-FR" dirty="0"/>
+                    </a:p>
+                  </a:txBody>
+                  <a:tcPr/>
+                </a:tc>
+                <a:tc>
+                  <a:txBody>
+                    <a:bodyPr/>
+                    <a:lstStyle/>
+                    <a:p>
+                      <a:endParaRPr lang="fr-FR" dirty="0"/>
+                    </a:p>
+                  </a:txBody>
+                  <a:tcPr/>
+                </a:tc>
+                <a:tc>
+                  <a:txBody>
+                    <a:bodyPr/>
+                    <a:lstStyle/>
+                    <a:p>
+                      <a:endParaRPr lang="fr-FR" dirty="0"/>
+                    </a:p>
+                  </a:txBody>
+                  <a:tcPr/>
+                </a:tc>
+                <a:extLst>
+                  <a:ext uri="{0D108BD9-81ED-4DB2-BD59-A6C34878D82A}">
+                    <a16:rowId xmlns:a16="http://schemas.microsoft.com/office/drawing/2014/main" val="1536291931"/>
+                  </a:ext>
+                </a:extLst>
+              </a:tr>
+              <a:tr h="201860">
+                <a:tc>
+                  <a:txBody>
+                    <a:bodyPr/>
+                    <a:lstStyle/>
+                    <a:p>
+                      <a:endParaRPr lang="fr-FR" dirty="0"/>
+                    </a:p>
+                  </a:txBody>
+                  <a:tcPr/>
+                </a:tc>
+                <a:tc>
+                  <a:txBody>
+                    <a:bodyPr/>
+                    <a:lstStyle/>
+                    <a:p>
+                      <a:endParaRPr lang="fr-FR" dirty="0"/>
+                    </a:p>
+                  </a:txBody>
+                  <a:tcPr/>
+                </a:tc>
+                <a:tc>
+                  <a:txBody>
+                    <a:bodyPr/>
+                    <a:lstStyle/>
+                    <a:p>
+                      <a:endParaRPr lang="fr-FR" dirty="0"/>
+                    </a:p>
+                  </a:txBody>
+                  <a:tcPr/>
+                </a:tc>
+                <a:tc>
+                  <a:txBody>
+                    <a:bodyPr/>
+                    <a:lstStyle/>
+                    <a:p>
+                      <a:endParaRPr lang="fr-FR" dirty="0"/>
+                    </a:p>
+                  </a:txBody>
+                  <a:tcPr/>
+                </a:tc>
+                <a:tc>
+                  <a:txBody>
+                    <a:bodyPr/>
+                    <a:lstStyle/>
+                    <a:p>
+                      <a:endParaRPr lang="fr-FR" dirty="0"/>
+                    </a:p>
+                  </a:txBody>
+                  <a:tcPr/>
+                </a:tc>
+                <a:tc>
+                  <a:txBody>
+                    <a:bodyPr/>
+                    <a:lstStyle/>
+                    <a:p>
+                      <a:endParaRPr lang="fr-FR" dirty="0"/>
+                    </a:p>
+                  </a:txBody>
+                  <a:tcPr/>
+                </a:tc>
+                <a:extLst>
+                  <a:ext uri="{0D108BD9-81ED-4DB2-BD59-A6C34878D82A}">
+                    <a16:rowId xmlns:a16="http://schemas.microsoft.com/office/drawing/2014/main" val="2371098874"/>
+                  </a:ext>
+                </a:extLst>
+              </a:tr>
+              <a:tr h="201860">
+                <a:tc>
+                  <a:txBody>
+                    <a:bodyPr/>
+                    <a:lstStyle/>
+                    <a:p>
+                      <a:endParaRPr lang="fr-FR" dirty="0"/>
+                    </a:p>
+                  </a:txBody>
+                  <a:tcPr/>
+                </a:tc>
+                <a:tc>
+                  <a:txBody>
+                    <a:bodyPr/>
+                    <a:lstStyle/>
+                    <a:p>
+                      <a:endParaRPr lang="fr-FR" dirty="0"/>
+                    </a:p>
+                  </a:txBody>
+                  <a:tcPr/>
+                </a:tc>
+                <a:tc>
+                  <a:txBody>
+                    <a:bodyPr/>
+                    <a:lstStyle/>
+                    <a:p>
+                      <a:endParaRPr lang="fr-FR" dirty="0"/>
+                    </a:p>
+                  </a:txBody>
+                  <a:tcPr/>
+                </a:tc>
+                <a:tc>
+                  <a:txBody>
+                    <a:bodyPr/>
+                    <a:lstStyle/>
+                    <a:p>
+                      <a:endParaRPr lang="fr-FR" dirty="0"/>
+                    </a:p>
+                  </a:txBody>
+                  <a:tcPr/>
+                </a:tc>
+                <a:tc>
+                  <a:txBody>
+                    <a:bodyPr/>
+                    <a:lstStyle/>
+                    <a:p>
+                      <a:endParaRPr lang="fr-FR" dirty="0"/>
+                    </a:p>
+                  </a:txBody>
+                  <a:tcPr/>
+                </a:tc>
+                <a:tc>
+                  <a:txBody>
+                    <a:bodyPr/>
+                    <a:lstStyle/>
+                    <a:p>
+                      <a:endParaRPr lang="fr-FR" dirty="0"/>
+                    </a:p>
+                  </a:txBody>
+                  <a:tcPr/>
+                </a:tc>
+                <a:extLst>
+                  <a:ext uri="{0D108BD9-81ED-4DB2-BD59-A6C34878D82A}">
+                    <a16:rowId xmlns:a16="http://schemas.microsoft.com/office/drawing/2014/main" val="97091823"/>
+                  </a:ext>
+                </a:extLst>
+              </a:tr>
+              <a:tr h="201860">
+                <a:tc>
+                  <a:txBody>
+                    <a:bodyPr/>
+                    <a:lstStyle/>
+                    <a:p>
+                      <a:endParaRPr lang="fr-FR" dirty="0"/>
+                    </a:p>
+                  </a:txBody>
+                  <a:tcPr/>
+                </a:tc>
+                <a:tc>
+                  <a:txBody>
+                    <a:bodyPr/>
+                    <a:lstStyle/>
+                    <a:p>
+                      <a:endParaRPr lang="fr-FR" dirty="0"/>
+                    </a:p>
+                  </a:txBody>
+                  <a:tcPr/>
+                </a:tc>
+                <a:tc>
+                  <a:txBody>
+                    <a:bodyPr/>
+                    <a:lstStyle/>
+                    <a:p>
+                      <a:endParaRPr lang="fr-FR" dirty="0"/>
+                    </a:p>
+                  </a:txBody>
+                  <a:tcPr/>
+                </a:tc>
+                <a:tc>
+                  <a:txBody>
+                    <a:bodyPr/>
+                    <a:lstStyle/>
+                    <a:p>
+                      <a:endParaRPr lang="fr-FR" dirty="0"/>
+                    </a:p>
+                  </a:txBody>
+                  <a:tcPr/>
+                </a:tc>
+                <a:tc>
+                  <a:txBody>
+                    <a:bodyPr/>
+                    <a:lstStyle/>
+                    <a:p>
+                      <a:endParaRPr lang="fr-FR" dirty="0"/>
+                    </a:p>
+                  </a:txBody>
+                  <a:tcPr/>
+                </a:tc>
+                <a:tc>
+                  <a:txBody>
+                    <a:bodyPr/>
+                    <a:lstStyle/>
+                    <a:p>
+                      <a:endParaRPr lang="fr-FR" dirty="0"/>
+                    </a:p>
+                  </a:txBody>
+                  <a:tcPr/>
+                </a:tc>
+                <a:extLst>
+                  <a:ext uri="{0D108BD9-81ED-4DB2-BD59-A6C34878D82A}">
+                    <a16:rowId xmlns:a16="http://schemas.microsoft.com/office/drawing/2014/main" val="3941349242"/>
+                  </a:ext>
+                </a:extLst>
+              </a:tr>
+              <a:tr h="201860">
+                <a:tc>
+                  <a:txBody>
+                    <a:bodyPr/>
+                    <a:lstStyle/>
+                    <a:p>
+                      <a:endParaRPr lang="fr-FR" dirty="0"/>
+                    </a:p>
+                  </a:txBody>
+                  <a:tcPr/>
+                </a:tc>
+                <a:tc>
+                  <a:txBody>
+                    <a:bodyPr/>
+                    <a:lstStyle/>
+                    <a:p>
+                      <a:endParaRPr lang="fr-FR" dirty="0"/>
+                    </a:p>
+                  </a:txBody>
+                  <a:tcPr/>
+                </a:tc>
+                <a:tc>
+                  <a:txBody>
+                    <a:bodyPr/>
+                    <a:lstStyle/>
+                    <a:p>
+                      <a:endParaRPr lang="fr-FR" dirty="0"/>
+                    </a:p>
+                  </a:txBody>
+                  <a:tcPr/>
+                </a:tc>
+                <a:tc>
+                  <a:txBody>
+                    <a:bodyPr/>
+                    <a:lstStyle/>
+                    <a:p>
+                      <a:endParaRPr lang="fr-FR" dirty="0"/>
+                    </a:p>
+                  </a:txBody>
+                  <a:tcPr/>
+                </a:tc>
+                <a:tc>
+                  <a:txBody>
+                    <a:bodyPr/>
+                    <a:lstStyle/>
+                    <a:p>
+                      <a:endParaRPr lang="fr-FR" dirty="0"/>
+                    </a:p>
+                  </a:txBody>
+                  <a:tcPr/>
+                </a:tc>
+                <a:tc>
+                  <a:txBody>
+                    <a:bodyPr/>
+                    <a:lstStyle/>
+                    <a:p>
+                      <a:endParaRPr lang="fr-FR" dirty="0"/>
+                    </a:p>
+                  </a:txBody>
+                  <a:tcPr/>
+                </a:tc>
+                <a:extLst>
+                  <a:ext uri="{0D108BD9-81ED-4DB2-BD59-A6C34878D82A}">
+                    <a16:rowId xmlns:a16="http://schemas.microsoft.com/office/drawing/2014/main" val="916818977"/>
+                  </a:ext>
+                </a:extLst>
+              </a:tr>
+              <a:tr h="201860">
+                <a:tc>
+                  <a:txBody>
+                    <a:bodyPr/>
+                    <a:lstStyle/>
+                    <a:p>
+                      <a:endParaRPr lang="fr-FR" dirty="0"/>
+                    </a:p>
+                  </a:txBody>
+                  <a:tcPr/>
+                </a:tc>
+                <a:tc>
+                  <a:txBody>
+                    <a:bodyPr/>
+                    <a:lstStyle/>
+                    <a:p>
+                      <a:endParaRPr lang="fr-FR" dirty="0"/>
+                    </a:p>
+                  </a:txBody>
+                  <a:tcPr/>
+                </a:tc>
+                <a:tc>
+                  <a:txBody>
+                    <a:bodyPr/>
+                    <a:lstStyle/>
+                    <a:p>
+                      <a:endParaRPr lang="fr-FR" dirty="0"/>
+                    </a:p>
+                  </a:txBody>
+                  <a:tcPr/>
+                </a:tc>
+                <a:tc>
+                  <a:txBody>
+                    <a:bodyPr/>
+                    <a:lstStyle/>
+                    <a:p>
+                      <a:endParaRPr lang="fr-FR" dirty="0"/>
+                    </a:p>
+                  </a:txBody>
+                  <a:tcPr/>
+                </a:tc>
+                <a:tc>
+                  <a:txBody>
+                    <a:bodyPr/>
+                    <a:lstStyle/>
+                    <a:p>
+                      <a:endParaRPr lang="fr-FR" dirty="0"/>
+                    </a:p>
+                  </a:txBody>
+                  <a:tcPr/>
+                </a:tc>
+                <a:tc>
+                  <a:txBody>
+                    <a:bodyPr/>
+                    <a:lstStyle/>
+                    <a:p>
+                      <a:endParaRPr lang="fr-FR" dirty="0"/>
+                    </a:p>
+                  </a:txBody>
+                  <a:tcPr/>
+                </a:tc>
+                <a:extLst>
+                  <a:ext uri="{0D108BD9-81ED-4DB2-BD59-A6C34878D82A}">
+                    <a16:rowId xmlns:a16="http://schemas.microsoft.com/office/drawing/2014/main" val="3795713103"/>
+                  </a:ext>
+                </a:extLst>
+              </a:tr>
+              <a:tr h="201860">
+                <a:tc>
+                  <a:txBody>
+                    <a:bodyPr/>
+                    <a:lstStyle/>
+                    <a:p>
+                      <a:endParaRPr lang="fr-FR" dirty="0"/>
+                    </a:p>
+                  </a:txBody>
+                  <a:tcPr/>
+                </a:tc>
+                <a:tc>
+                  <a:txBody>
+                    <a:bodyPr/>
+                    <a:lstStyle/>
+                    <a:p>
+                      <a:endParaRPr lang="fr-FR" dirty="0"/>
+                    </a:p>
+                  </a:txBody>
+                  <a:tcPr/>
+                </a:tc>
+                <a:tc>
+                  <a:txBody>
+                    <a:bodyPr/>
+                    <a:lstStyle/>
+                    <a:p>
+                      <a:endParaRPr lang="fr-FR" dirty="0"/>
+                    </a:p>
+                  </a:txBody>
+                  <a:tcPr/>
+                </a:tc>
+                <a:tc>
+                  <a:txBody>
+                    <a:bodyPr/>
+                    <a:lstStyle/>
+                    <a:p>
+                      <a:endParaRPr lang="fr-FR" dirty="0"/>
+                    </a:p>
+                  </a:txBody>
+                  <a:tcPr/>
+                </a:tc>
+                <a:tc>
+                  <a:txBody>
+                    <a:bodyPr/>
+                    <a:lstStyle/>
+                    <a:p>
+                      <a:endParaRPr lang="fr-FR" dirty="0"/>
+                    </a:p>
+                  </a:txBody>
+                  <a:tcPr/>
+                </a:tc>
+                <a:tc>
+                  <a:txBody>
+                    <a:bodyPr/>
+                    <a:lstStyle/>
+                    <a:p>
+                      <a:endParaRPr lang="fr-FR" dirty="0"/>
+                    </a:p>
+                  </a:txBody>
+                  <a:tcPr/>
+                </a:tc>
+                <a:extLst>
+                  <a:ext uri="{0D108BD9-81ED-4DB2-BD59-A6C34878D82A}">
+                    <a16:rowId xmlns:a16="http://schemas.microsoft.com/office/drawing/2014/main" val="4131585333"/>
+                  </a:ext>
+                </a:extLst>
+              </a:tr>
+            </a:tbl>
+          </a:graphicData>
+        </a:graphic>
+      </p:graphicFrame>
+      <p:sp>
+        <p:nvSpPr>
+          <p:cNvPr id="35" name="Rectangle 34">
+            <a:extLst>
+              <a:ext uri="{FF2B5EF4-FFF2-40B4-BE49-F238E27FC236}">
+                <a16:creationId xmlns:a16="http://schemas.microsoft.com/office/drawing/2014/main" id="{20EBB7B3-3A78-4411-AB61-855DE09447A5}"/>
+              </a:ext>
+            </a:extLst>
+          </p:cNvPr>
+          <p:cNvSpPr/>
+          <p:nvPr/>
+        </p:nvSpPr>
+        <p:spPr>
+          <a:xfrm>
+            <a:off x="8398934" y="1998904"/>
+            <a:ext cx="2686756" cy="3950340"/>
+          </a:xfrm>
+          <a:prstGeom prst="rect">
+            <a:avLst/>
+          </a:prstGeom>
+          <a:effectLst>
+            <a:outerShdw blurRad="50800" dist="38100" dir="2700000" algn="tl" rotWithShape="0">
+              <a:prstClr val="black">
+                <a:alpha val="40000"/>
+              </a:prstClr>
+            </a:outerShdw>
+          </a:effectLst>
+        </p:spPr>
+        <p:style>
+          <a:lnRef idx="2">
+            <a:schemeClr val="accent5"/>
+          </a:lnRef>
+          <a:fillRef idx="1">
+            <a:schemeClr val="lt1"/>
+          </a:fillRef>
+          <a:effectRef idx="0">
+            <a:schemeClr val="accent5"/>
+          </a:effectRef>
+          <a:fontRef idx="minor">
+            <a:schemeClr val="dk1"/>
+          </a:fontRef>
+        </p:style>
+        <p:txBody>
+          <a:bodyPr rtlCol="0" anchor="t"/>
+          <a:lstStyle/>
+          <a:p>
+            <a:pPr algn="ctr"/>
+            <a:r>
+              <a:rPr lang="fr-FR" sz="1400" b="1" dirty="0" err="1"/>
+              <a:t>Property</a:t>
+            </a:r>
+            <a:r>
+              <a:rPr lang="fr-FR" sz="1400" b="1" dirty="0"/>
+              <a:t> </a:t>
+            </a:r>
+            <a:r>
+              <a:rPr lang="fr-FR" sz="1400" b="1" dirty="0" err="1"/>
+              <a:t>grid</a:t>
+            </a:r>
+            <a:endParaRPr lang="fr-FR" sz="1400" dirty="0"/>
+          </a:p>
+        </p:txBody>
+      </p:sp>
+      <p:sp>
+        <p:nvSpPr>
+          <p:cNvPr id="39" name="Rectangle 38">
+            <a:extLst>
+              <a:ext uri="{FF2B5EF4-FFF2-40B4-BE49-F238E27FC236}">
+                <a16:creationId xmlns:a16="http://schemas.microsoft.com/office/drawing/2014/main" id="{AABCCCEF-016C-45F9-8FD2-38437A4AE415}"/>
+              </a:ext>
+            </a:extLst>
+          </p:cNvPr>
+          <p:cNvSpPr/>
+          <p:nvPr/>
+        </p:nvSpPr>
+        <p:spPr>
+          <a:xfrm>
+            <a:off x="5102576" y="1451877"/>
+            <a:ext cx="1460861" cy="306012"/>
+          </a:xfrm>
+          <a:prstGeom prst="rect">
+            <a:avLst/>
+          </a:prstGeom>
+          <a:effectLst>
+            <a:outerShdw blurRad="50800" dist="38100" dir="2700000" algn="tl" rotWithShape="0">
+              <a:prstClr val="black">
+                <a:alpha val="40000"/>
+              </a:prstClr>
+            </a:outerShdw>
+          </a:effectLst>
+        </p:spPr>
+        <p:style>
+          <a:lnRef idx="2">
+            <a:schemeClr val="accent5"/>
+          </a:lnRef>
+          <a:fillRef idx="1">
+            <a:schemeClr val="lt1"/>
+          </a:fillRef>
+          <a:effectRef idx="0">
+            <a:schemeClr val="accent5"/>
+          </a:effectRef>
+          <a:fontRef idx="minor">
+            <a:schemeClr val="dk1"/>
+          </a:fontRef>
+        </p:style>
+        <p:txBody>
+          <a:bodyPr rtlCol="0" anchor="t"/>
+          <a:lstStyle/>
+          <a:p>
+            <a:r>
+              <a:rPr lang="fr-FR" sz="1400" b="1" dirty="0"/>
+              <a:t>_</a:t>
+            </a:r>
+            <a:endParaRPr lang="fr-FR" sz="1400" dirty="0"/>
+          </a:p>
+        </p:txBody>
+      </p:sp>
+      <p:sp>
+        <p:nvSpPr>
+          <p:cNvPr id="40" name="TextBox 39">
+            <a:extLst>
+              <a:ext uri="{FF2B5EF4-FFF2-40B4-BE49-F238E27FC236}">
+                <a16:creationId xmlns:a16="http://schemas.microsoft.com/office/drawing/2014/main" id="{CED0FE37-ED88-4469-8B6B-BC0A89AC2839}"/>
+              </a:ext>
+            </a:extLst>
+          </p:cNvPr>
+          <p:cNvSpPr txBox="1"/>
+          <p:nvPr/>
+        </p:nvSpPr>
+        <p:spPr>
+          <a:xfrm>
+            <a:off x="4446271" y="1433687"/>
+            <a:ext cx="724037" cy="369332"/>
+          </a:xfrm>
+          <a:prstGeom prst="rect">
+            <a:avLst/>
+          </a:prstGeom>
+          <a:noFill/>
+        </p:spPr>
+        <p:txBody>
+          <a:bodyPr wrap="square" rtlCol="0">
+            <a:spAutoFit/>
+          </a:bodyPr>
+          <a:lstStyle/>
+          <a:p>
+            <a:r>
+              <a:rPr lang="fr-FR" dirty="0"/>
+              <a:t>Filter</a:t>
+            </a:r>
+          </a:p>
+        </p:txBody>
+      </p:sp>
+      <p:pic>
+        <p:nvPicPr>
+          <p:cNvPr id="46" name="Picture 45">
+            <a:extLst>
+              <a:ext uri="{FF2B5EF4-FFF2-40B4-BE49-F238E27FC236}">
+                <a16:creationId xmlns:a16="http://schemas.microsoft.com/office/drawing/2014/main" id="{6F116005-A22F-4485-B6DA-40753014B0DF}"/>
+              </a:ext>
+            </a:extLst>
+          </p:cNvPr>
+          <p:cNvPicPr>
+            <a:picLocks noChangeAspect="1"/>
+          </p:cNvPicPr>
+          <p:nvPr/>
+        </p:nvPicPr>
+        <p:blipFill>
+          <a:blip r:embed="rId2">
+            <a:extLst>
+              <a:ext uri="{28A0092B-C50C-407E-A947-70E740481C1C}">
+                <a14:useLocalDpi xmlns:a14="http://schemas.microsoft.com/office/drawing/2010/main" val="0"/>
+              </a:ext>
+            </a:extLst>
+          </a:blip>
+          <a:stretch>
+            <a:fillRect/>
+          </a:stretch>
+        </p:blipFill>
+        <p:spPr>
+          <a:xfrm>
+            <a:off x="3097177" y="1563419"/>
+            <a:ext cx="283464" cy="283464"/>
+          </a:xfrm>
+          <a:prstGeom prst="rect">
+            <a:avLst/>
+          </a:prstGeom>
+        </p:spPr>
+      </p:pic>
+      <p:pic>
+        <p:nvPicPr>
+          <p:cNvPr id="48" name="Picture 47">
+            <a:extLst>
+              <a:ext uri="{FF2B5EF4-FFF2-40B4-BE49-F238E27FC236}">
+                <a16:creationId xmlns:a16="http://schemas.microsoft.com/office/drawing/2014/main" id="{2E92C4D2-313F-4162-BCAB-9536A863475A}"/>
+              </a:ext>
+            </a:extLst>
+          </p:cNvPr>
+          <p:cNvPicPr>
+            <a:picLocks noChangeAspect="1"/>
+          </p:cNvPicPr>
+          <p:nvPr/>
+        </p:nvPicPr>
+        <p:blipFill>
+          <a:blip r:embed="rId3">
+            <a:extLst>
+              <a:ext uri="{28A0092B-C50C-407E-A947-70E740481C1C}">
+                <a14:useLocalDpi xmlns:a14="http://schemas.microsoft.com/office/drawing/2010/main" val="0"/>
+              </a:ext>
+            </a:extLst>
+          </a:blip>
+          <a:stretch>
+            <a:fillRect/>
+          </a:stretch>
+        </p:blipFill>
+        <p:spPr>
+          <a:xfrm>
+            <a:off x="3307797" y="1563419"/>
+            <a:ext cx="283464" cy="283464"/>
+          </a:xfrm>
+          <a:prstGeom prst="rect">
+            <a:avLst/>
+          </a:prstGeom>
+        </p:spPr>
+      </p:pic>
+      <p:pic>
+        <p:nvPicPr>
+          <p:cNvPr id="50" name="Picture 49">
+            <a:extLst>
+              <a:ext uri="{FF2B5EF4-FFF2-40B4-BE49-F238E27FC236}">
+                <a16:creationId xmlns:a16="http://schemas.microsoft.com/office/drawing/2014/main" id="{3367AEDF-9D4A-44FA-A3EE-D0537E406FED}"/>
+              </a:ext>
+            </a:extLst>
+          </p:cNvPr>
+          <p:cNvPicPr>
+            <a:picLocks noChangeAspect="1"/>
+          </p:cNvPicPr>
+          <p:nvPr/>
+        </p:nvPicPr>
+        <p:blipFill>
+          <a:blip r:embed="rId4">
+            <a:extLst>
+              <a:ext uri="{28A0092B-C50C-407E-A947-70E740481C1C}">
+                <a14:useLocalDpi xmlns:a14="http://schemas.microsoft.com/office/drawing/2010/main" val="0"/>
+              </a:ext>
+            </a:extLst>
+          </a:blip>
+          <a:stretch>
+            <a:fillRect/>
+          </a:stretch>
+        </p:blipFill>
+        <p:spPr>
+          <a:xfrm>
+            <a:off x="10971557" y="904323"/>
+            <a:ext cx="283464" cy="283464"/>
+          </a:xfrm>
+          <a:prstGeom prst="rect">
+            <a:avLst/>
+          </a:prstGeom>
+        </p:spPr>
+      </p:pic>
+      <p:pic>
+        <p:nvPicPr>
+          <p:cNvPr id="52" name="Picture 51">
+            <a:extLst>
+              <a:ext uri="{FF2B5EF4-FFF2-40B4-BE49-F238E27FC236}">
+                <a16:creationId xmlns:a16="http://schemas.microsoft.com/office/drawing/2014/main" id="{A34307A9-D898-45A2-ACEC-AB1931B5A5BB}"/>
+              </a:ext>
+            </a:extLst>
+          </p:cNvPr>
+          <p:cNvPicPr>
+            <a:picLocks noChangeAspect="1"/>
+          </p:cNvPicPr>
+          <p:nvPr/>
+        </p:nvPicPr>
+        <p:blipFill>
+          <a:blip r:embed="rId5">
+            <a:extLst>
+              <a:ext uri="{28A0092B-C50C-407E-A947-70E740481C1C}">
+                <a14:useLocalDpi xmlns:a14="http://schemas.microsoft.com/office/drawing/2010/main" val="0"/>
+              </a:ext>
+            </a:extLst>
+          </a:blip>
+          <a:stretch>
+            <a:fillRect/>
+          </a:stretch>
+        </p:blipFill>
+        <p:spPr>
+          <a:xfrm>
+            <a:off x="2691774" y="904323"/>
+            <a:ext cx="283464" cy="283464"/>
+          </a:xfrm>
+          <a:prstGeom prst="rect">
+            <a:avLst/>
+          </a:prstGeom>
+        </p:spPr>
+      </p:pic>
+      <p:pic>
+        <p:nvPicPr>
+          <p:cNvPr id="54" name="Picture 53">
+            <a:extLst>
+              <a:ext uri="{FF2B5EF4-FFF2-40B4-BE49-F238E27FC236}">
+                <a16:creationId xmlns:a16="http://schemas.microsoft.com/office/drawing/2014/main" id="{A6E7744E-A107-4EC4-A30D-6C241762870D}"/>
+              </a:ext>
+            </a:extLst>
+          </p:cNvPr>
+          <p:cNvPicPr>
+            <a:picLocks noChangeAspect="1"/>
+          </p:cNvPicPr>
+          <p:nvPr/>
+        </p:nvPicPr>
+        <p:blipFill>
+          <a:blip r:embed="rId6">
+            <a:extLst>
+              <a:ext uri="{28A0092B-C50C-407E-A947-70E740481C1C}">
+                <a14:useLocalDpi xmlns:a14="http://schemas.microsoft.com/office/drawing/2010/main" val="0"/>
+              </a:ext>
+            </a:extLst>
+          </a:blip>
+          <a:stretch>
+            <a:fillRect/>
+          </a:stretch>
+        </p:blipFill>
+        <p:spPr>
+          <a:xfrm>
+            <a:off x="10829825" y="2035716"/>
+            <a:ext cx="283464" cy="283464"/>
+          </a:xfrm>
+          <a:prstGeom prst="rect">
+            <a:avLst/>
+          </a:prstGeom>
+        </p:spPr>
+      </p:pic>
+      <p:sp>
+        <p:nvSpPr>
+          <p:cNvPr id="55" name="Rectangle 54">
+            <a:extLst>
+              <a:ext uri="{FF2B5EF4-FFF2-40B4-BE49-F238E27FC236}">
+                <a16:creationId xmlns:a16="http://schemas.microsoft.com/office/drawing/2014/main" id="{8E9061F1-7488-4B30-820C-65E0C145BB2A}"/>
+              </a:ext>
+            </a:extLst>
+          </p:cNvPr>
+          <p:cNvSpPr/>
+          <p:nvPr/>
+        </p:nvSpPr>
+        <p:spPr>
+          <a:xfrm>
+            <a:off x="6790650" y="1228580"/>
+            <a:ext cx="3932211" cy="601781"/>
+          </a:xfrm>
+          <a:prstGeom prst="rect">
+            <a:avLst/>
+          </a:prstGeom>
+          <a:effectLst>
+            <a:outerShdw blurRad="50800" dist="38100" dir="2700000" algn="tl" rotWithShape="0">
+              <a:prstClr val="black">
+                <a:alpha val="40000"/>
+              </a:prstClr>
+            </a:outerShdw>
+          </a:effectLst>
+        </p:spPr>
+        <p:style>
+          <a:lnRef idx="2">
+            <a:schemeClr val="accent5"/>
+          </a:lnRef>
+          <a:fillRef idx="1">
+            <a:schemeClr val="lt1"/>
+          </a:fillRef>
+          <a:effectRef idx="0">
+            <a:schemeClr val="accent5"/>
+          </a:effectRef>
+          <a:fontRef idx="minor">
+            <a:schemeClr val="dk1"/>
+          </a:fontRef>
+        </p:style>
+        <p:txBody>
+          <a:bodyPr rtlCol="0" anchor="ctr"/>
+          <a:lstStyle/>
+          <a:p>
+            <a:pPr algn="ctr"/>
+            <a:endParaRPr lang="fr-FR" sz="1400" dirty="0"/>
+          </a:p>
+          <a:p>
+            <a:endParaRPr lang="fr-FR" sz="1400" dirty="0"/>
+          </a:p>
+        </p:txBody>
+      </p:sp>
+      <p:sp>
+        <p:nvSpPr>
+          <p:cNvPr id="56" name="Rectangle 55">
+            <a:extLst>
+              <a:ext uri="{FF2B5EF4-FFF2-40B4-BE49-F238E27FC236}">
+                <a16:creationId xmlns:a16="http://schemas.microsoft.com/office/drawing/2014/main" id="{955594A7-E0FB-421D-A934-164E66A269CA}"/>
+              </a:ext>
+            </a:extLst>
+          </p:cNvPr>
+          <p:cNvSpPr/>
+          <p:nvPr/>
+        </p:nvSpPr>
+        <p:spPr>
+          <a:xfrm>
+            <a:off x="7670662" y="1447104"/>
+            <a:ext cx="1460861" cy="306012"/>
+          </a:xfrm>
+          <a:prstGeom prst="rect">
+            <a:avLst/>
+          </a:prstGeom>
+          <a:effectLst>
+            <a:outerShdw blurRad="50800" dist="38100" dir="2700000" algn="tl" rotWithShape="0">
+              <a:prstClr val="black">
+                <a:alpha val="40000"/>
+              </a:prstClr>
+            </a:outerShdw>
+          </a:effectLst>
+        </p:spPr>
+        <p:style>
+          <a:lnRef idx="2">
+            <a:schemeClr val="accent5"/>
+          </a:lnRef>
+          <a:fillRef idx="1">
+            <a:schemeClr val="lt1"/>
+          </a:fillRef>
+          <a:effectRef idx="0">
+            <a:schemeClr val="accent5"/>
+          </a:effectRef>
+          <a:fontRef idx="minor">
+            <a:schemeClr val="dk1"/>
+          </a:fontRef>
+        </p:style>
+        <p:txBody>
+          <a:bodyPr rtlCol="0" anchor="t"/>
+          <a:lstStyle/>
+          <a:p>
+            <a:endParaRPr lang="fr-FR" sz="1400" dirty="0"/>
+          </a:p>
+        </p:txBody>
+      </p:sp>
+      <p:pic>
+        <p:nvPicPr>
+          <p:cNvPr id="58" name="Picture 57">
+            <a:extLst>
+              <a:ext uri="{FF2B5EF4-FFF2-40B4-BE49-F238E27FC236}">
+                <a16:creationId xmlns:a16="http://schemas.microsoft.com/office/drawing/2014/main" id="{5239D4D5-32F1-40D3-9093-87DD9B805852}"/>
+              </a:ext>
+            </a:extLst>
+          </p:cNvPr>
+          <p:cNvPicPr>
+            <a:picLocks noChangeAspect="1"/>
+          </p:cNvPicPr>
+          <p:nvPr/>
+        </p:nvPicPr>
+        <p:blipFill>
+          <a:blip r:embed="rId7">
+            <a:extLst>
+              <a:ext uri="{28A0092B-C50C-407E-A947-70E740481C1C}">
+                <a14:useLocalDpi xmlns:a14="http://schemas.microsoft.com/office/drawing/2010/main" val="0"/>
+              </a:ext>
+            </a:extLst>
+          </a:blip>
+          <a:stretch>
+            <a:fillRect/>
+          </a:stretch>
+        </p:blipFill>
+        <p:spPr>
+          <a:xfrm>
+            <a:off x="8872087" y="1484530"/>
+            <a:ext cx="283464" cy="283464"/>
+          </a:xfrm>
+          <a:prstGeom prst="rect">
+            <a:avLst/>
+          </a:prstGeom>
+        </p:spPr>
+      </p:pic>
+      <p:sp>
+        <p:nvSpPr>
+          <p:cNvPr id="59" name="Rectangle 58">
+            <a:extLst>
+              <a:ext uri="{FF2B5EF4-FFF2-40B4-BE49-F238E27FC236}">
+                <a16:creationId xmlns:a16="http://schemas.microsoft.com/office/drawing/2014/main" id="{897AE02E-204C-42B9-8F62-1C6270329475}"/>
+              </a:ext>
+            </a:extLst>
+          </p:cNvPr>
+          <p:cNvSpPr/>
+          <p:nvPr/>
+        </p:nvSpPr>
+        <p:spPr>
+          <a:xfrm>
+            <a:off x="9300794" y="2475185"/>
+            <a:ext cx="1460861" cy="306012"/>
+          </a:xfrm>
+          <a:prstGeom prst="rect">
+            <a:avLst/>
+          </a:prstGeom>
+          <a:effectLst>
+            <a:outerShdw blurRad="50800" dist="38100" dir="2700000" algn="tl" rotWithShape="0">
+              <a:prstClr val="black">
+                <a:alpha val="40000"/>
+              </a:prstClr>
+            </a:outerShdw>
+          </a:effectLst>
+        </p:spPr>
+        <p:style>
+          <a:lnRef idx="2">
+            <a:schemeClr val="accent5"/>
+          </a:lnRef>
+          <a:fillRef idx="1">
+            <a:schemeClr val="lt1"/>
+          </a:fillRef>
+          <a:effectRef idx="0">
+            <a:schemeClr val="accent5"/>
+          </a:effectRef>
+          <a:fontRef idx="minor">
+            <a:schemeClr val="dk1"/>
+          </a:fontRef>
+        </p:style>
+        <p:txBody>
+          <a:bodyPr rtlCol="0" anchor="t"/>
+          <a:lstStyle/>
+          <a:p>
+            <a:r>
+              <a:rPr lang="fr-FR" sz="1400" b="1" dirty="0" err="1"/>
+              <a:t>My</a:t>
+            </a:r>
+            <a:r>
+              <a:rPr lang="fr-FR" sz="1400" b="1" dirty="0"/>
+              <a:t> </a:t>
+            </a:r>
+            <a:r>
+              <a:rPr lang="fr-FR" sz="1400" b="1" dirty="0" err="1"/>
+              <a:t>name</a:t>
+            </a:r>
+            <a:endParaRPr lang="fr-FR" sz="1400" dirty="0"/>
+          </a:p>
+        </p:txBody>
+      </p:sp>
+      <p:sp>
+        <p:nvSpPr>
+          <p:cNvPr id="60" name="TextBox 59">
+            <a:extLst>
+              <a:ext uri="{FF2B5EF4-FFF2-40B4-BE49-F238E27FC236}">
+                <a16:creationId xmlns:a16="http://schemas.microsoft.com/office/drawing/2014/main" id="{CF024D2E-5BB5-4C4B-84DE-38480079EE2C}"/>
+              </a:ext>
+            </a:extLst>
+          </p:cNvPr>
+          <p:cNvSpPr txBox="1"/>
+          <p:nvPr/>
+        </p:nvSpPr>
+        <p:spPr>
+          <a:xfrm>
+            <a:off x="8499246" y="2443525"/>
+            <a:ext cx="847954" cy="369332"/>
+          </a:xfrm>
+          <a:prstGeom prst="rect">
+            <a:avLst/>
+          </a:prstGeom>
+          <a:noFill/>
+        </p:spPr>
+        <p:txBody>
+          <a:bodyPr wrap="square" rtlCol="0">
+            <a:spAutoFit/>
+          </a:bodyPr>
+          <a:lstStyle/>
+          <a:p>
+            <a:r>
+              <a:rPr lang="fr-FR" dirty="0"/>
+              <a:t>Name</a:t>
+            </a:r>
+          </a:p>
+        </p:txBody>
+      </p:sp>
+      <p:sp>
+        <p:nvSpPr>
+          <p:cNvPr id="61" name="Rectangle 60">
+            <a:extLst>
+              <a:ext uri="{FF2B5EF4-FFF2-40B4-BE49-F238E27FC236}">
+                <a16:creationId xmlns:a16="http://schemas.microsoft.com/office/drawing/2014/main" id="{1C6B85AA-93F5-43A3-ABA9-2039D267A0FA}"/>
+              </a:ext>
+            </a:extLst>
+          </p:cNvPr>
+          <p:cNvSpPr/>
+          <p:nvPr/>
+        </p:nvSpPr>
+        <p:spPr>
+          <a:xfrm>
+            <a:off x="9300794" y="2983126"/>
+            <a:ext cx="1460861" cy="306012"/>
+          </a:xfrm>
+          <a:prstGeom prst="rect">
+            <a:avLst/>
+          </a:prstGeom>
+          <a:effectLst>
+            <a:outerShdw blurRad="50800" dist="38100" dir="2700000" algn="tl" rotWithShape="0">
+              <a:prstClr val="black">
+                <a:alpha val="40000"/>
+              </a:prstClr>
+            </a:outerShdw>
+          </a:effectLst>
+        </p:spPr>
+        <p:style>
+          <a:lnRef idx="2">
+            <a:schemeClr val="accent5"/>
+          </a:lnRef>
+          <a:fillRef idx="1">
+            <a:schemeClr val="lt1"/>
+          </a:fillRef>
+          <a:effectRef idx="0">
+            <a:schemeClr val="accent5"/>
+          </a:effectRef>
+          <a:fontRef idx="minor">
+            <a:schemeClr val="dk1"/>
+          </a:fontRef>
+        </p:style>
+        <p:txBody>
+          <a:bodyPr rtlCol="0" anchor="t"/>
+          <a:lstStyle/>
+          <a:p>
+            <a:endParaRPr lang="fr-FR" sz="1400" dirty="0"/>
+          </a:p>
+        </p:txBody>
+      </p:sp>
+      <p:pic>
+        <p:nvPicPr>
+          <p:cNvPr id="62" name="Picture 61">
+            <a:extLst>
+              <a:ext uri="{FF2B5EF4-FFF2-40B4-BE49-F238E27FC236}">
+                <a16:creationId xmlns:a16="http://schemas.microsoft.com/office/drawing/2014/main" id="{DE8C040E-D17F-4AA0-BA8C-A8956D281DB4}"/>
+              </a:ext>
+            </a:extLst>
+          </p:cNvPr>
+          <p:cNvPicPr>
+            <a:picLocks noChangeAspect="1"/>
+          </p:cNvPicPr>
+          <p:nvPr/>
+        </p:nvPicPr>
+        <p:blipFill>
+          <a:blip r:embed="rId7">
+            <a:extLst>
+              <a:ext uri="{28A0092B-C50C-407E-A947-70E740481C1C}">
+                <a14:useLocalDpi xmlns:a14="http://schemas.microsoft.com/office/drawing/2010/main" val="0"/>
+              </a:ext>
+            </a:extLst>
+          </a:blip>
+          <a:stretch>
+            <a:fillRect/>
+          </a:stretch>
+        </p:blipFill>
+        <p:spPr>
+          <a:xfrm>
+            <a:off x="10502219" y="3020552"/>
+            <a:ext cx="283464" cy="283464"/>
+          </a:xfrm>
+          <a:prstGeom prst="rect">
+            <a:avLst/>
+          </a:prstGeom>
+        </p:spPr>
+      </p:pic>
+      <p:sp>
+        <p:nvSpPr>
+          <p:cNvPr id="63" name="TextBox 62">
+            <a:extLst>
+              <a:ext uri="{FF2B5EF4-FFF2-40B4-BE49-F238E27FC236}">
+                <a16:creationId xmlns:a16="http://schemas.microsoft.com/office/drawing/2014/main" id="{BDB09A82-5E7F-4B44-B9A7-C3FF735DCC69}"/>
+              </a:ext>
+            </a:extLst>
+          </p:cNvPr>
+          <p:cNvSpPr txBox="1"/>
+          <p:nvPr/>
+        </p:nvSpPr>
+        <p:spPr>
+          <a:xfrm>
+            <a:off x="8492974" y="2945162"/>
+            <a:ext cx="847954" cy="369332"/>
+          </a:xfrm>
+          <a:prstGeom prst="rect">
+            <a:avLst/>
+          </a:prstGeom>
+          <a:noFill/>
+        </p:spPr>
+        <p:txBody>
+          <a:bodyPr wrap="square" rtlCol="0">
+            <a:spAutoFit/>
+          </a:bodyPr>
+          <a:lstStyle/>
+          <a:p>
+            <a:r>
+              <a:rPr lang="fr-FR" dirty="0" err="1"/>
+              <a:t>Status</a:t>
+            </a:r>
+            <a:endParaRPr lang="fr-FR" dirty="0"/>
+          </a:p>
+        </p:txBody>
+      </p:sp>
+    </p:spTree>
+    <p:extLst>
+      <p:ext uri="{BB962C8B-B14F-4D97-AF65-F5344CB8AC3E}">
+        <p14:creationId xmlns:p14="http://schemas.microsoft.com/office/powerpoint/2010/main" val="2226349573"/>
+      </p:ext>
+    </p:extLst>
+  </p:cSld>
+  <p:clrMapOvr>
+    <a:masterClrMapping/>
+  </p:clrMapOvr>
+</p:sld>
+</file>
+
 <file path=ppt/theme/theme1.xml><?xml version="1.0" encoding="utf-8"?>
 <a:theme xmlns:a="http://schemas.openxmlformats.org/drawingml/2006/main" name="Office Theme">
   <a:themeElements>
